--- a/api_document_ja.pptx
+++ b/api_document_ja.pptx
@@ -196,7 +196,7 @@
             <a:fld id="{0D5A83C4-E153-4ECC-AD33-B17E8F229E1A}" type="datetimeFigureOut">
               <a:rPr kumimoji="1" lang="ja-JP" altLang="en-US" smtClean="0"/>
               <a:pPr/>
-              <a:t>2010/7/11</a:t>
+              <a:t>2010/9/1</a:t>
             </a:fld>
             <a:endParaRPr kumimoji="1" lang="ja-JP" altLang="en-US"/>
           </a:p>
@@ -676,7 +676,7 @@
             <a:fld id="{E90ED720-0104-4369-84BC-D37694168613}" type="datetimeFigureOut">
               <a:rPr kumimoji="1" lang="ja-JP" altLang="en-US" smtClean="0"/>
               <a:pPr/>
-              <a:t>2010/7/11</a:t>
+              <a:t>2010/9/1</a:t>
             </a:fld>
             <a:endParaRPr kumimoji="1" lang="ja-JP" altLang="en-US"/>
           </a:p>
@@ -875,7 +875,7 @@
             <a:fld id="{E90ED720-0104-4369-84BC-D37694168613}" type="datetimeFigureOut">
               <a:rPr kumimoji="1" lang="ja-JP" altLang="en-US" smtClean="0"/>
               <a:pPr/>
-              <a:t>2010/7/11</a:t>
+              <a:t>2010/9/1</a:t>
             </a:fld>
             <a:endParaRPr kumimoji="1" lang="ja-JP" altLang="en-US"/>
           </a:p>
@@ -1084,7 +1084,7 @@
             <a:fld id="{E90ED720-0104-4369-84BC-D37694168613}" type="datetimeFigureOut">
               <a:rPr kumimoji="1" lang="ja-JP" altLang="en-US" smtClean="0"/>
               <a:pPr/>
-              <a:t>2010/7/11</a:t>
+              <a:t>2010/9/1</a:t>
             </a:fld>
             <a:endParaRPr kumimoji="1" lang="ja-JP" altLang="en-US"/>
           </a:p>
@@ -1283,7 +1283,7 @@
             <a:fld id="{E90ED720-0104-4369-84BC-D37694168613}" type="datetimeFigureOut">
               <a:rPr kumimoji="1" lang="ja-JP" altLang="en-US" smtClean="0"/>
               <a:pPr/>
-              <a:t>2010/7/11</a:t>
+              <a:t>2010/9/1</a:t>
             </a:fld>
             <a:endParaRPr kumimoji="1" lang="ja-JP" altLang="en-US"/>
           </a:p>
@@ -1526,7 +1526,7 @@
             <a:fld id="{E90ED720-0104-4369-84BC-D37694168613}" type="datetimeFigureOut">
               <a:rPr kumimoji="1" lang="ja-JP" altLang="en-US" smtClean="0"/>
               <a:pPr/>
-              <a:t>2010/7/11</a:t>
+              <a:t>2010/9/1</a:t>
             </a:fld>
             <a:endParaRPr kumimoji="1" lang="ja-JP" altLang="en-US"/>
           </a:p>
@@ -1875,7 +1875,7 @@
             <a:fld id="{E90ED720-0104-4369-84BC-D37694168613}" type="datetimeFigureOut">
               <a:rPr kumimoji="1" lang="ja-JP" altLang="en-US" smtClean="0"/>
               <a:pPr/>
-              <a:t>2010/7/11</a:t>
+              <a:t>2010/9/1</a:t>
             </a:fld>
             <a:endParaRPr kumimoji="1" lang="ja-JP" altLang="en-US"/>
           </a:p>
@@ -2358,7 +2358,7 @@
             <a:fld id="{E90ED720-0104-4369-84BC-D37694168613}" type="datetimeFigureOut">
               <a:rPr kumimoji="1" lang="ja-JP" altLang="en-US" smtClean="0"/>
               <a:pPr/>
-              <a:t>2010/7/11</a:t>
+              <a:t>2010/9/1</a:t>
             </a:fld>
             <a:endParaRPr kumimoji="1" lang="ja-JP" altLang="en-US"/>
           </a:p>
@@ -2473,7 +2473,7 @@
             <a:fld id="{E90ED720-0104-4369-84BC-D37694168613}" type="datetimeFigureOut">
               <a:rPr kumimoji="1" lang="ja-JP" altLang="en-US" smtClean="0"/>
               <a:pPr/>
-              <a:t>2010/7/11</a:t>
+              <a:t>2010/9/1</a:t>
             </a:fld>
             <a:endParaRPr kumimoji="1" lang="ja-JP" altLang="en-US"/>
           </a:p>
@@ -2565,7 +2565,7 @@
             <a:fld id="{E90ED720-0104-4369-84BC-D37694168613}" type="datetimeFigureOut">
               <a:rPr kumimoji="1" lang="ja-JP" altLang="en-US" smtClean="0"/>
               <a:pPr/>
-              <a:t>2010/7/11</a:t>
+              <a:t>2010/9/1</a:t>
             </a:fld>
             <a:endParaRPr kumimoji="1" lang="ja-JP" altLang="en-US"/>
           </a:p>
@@ -2871,7 +2871,7 @@
             <a:fld id="{E90ED720-0104-4369-84BC-D37694168613}" type="datetimeFigureOut">
               <a:rPr kumimoji="1" lang="ja-JP" altLang="en-US" smtClean="0"/>
               <a:pPr/>
-              <a:t>2010/7/11</a:t>
+              <a:t>2010/9/1</a:t>
             </a:fld>
             <a:endParaRPr kumimoji="1" lang="ja-JP" altLang="en-US"/>
           </a:p>
@@ -3121,7 +3121,7 @@
             <a:fld id="{E90ED720-0104-4369-84BC-D37694168613}" type="datetimeFigureOut">
               <a:rPr kumimoji="1" lang="ja-JP" altLang="en-US" smtClean="0"/>
               <a:pPr/>
-              <a:t>2010/7/11</a:t>
+              <a:t>2010/9/1</a:t>
             </a:fld>
             <a:endParaRPr kumimoji="1" lang="ja-JP" altLang="en-US"/>
           </a:p>
@@ -3363,7 +3363,7 @@
             <a:fld id="{E90ED720-0104-4369-84BC-D37694168613}" type="datetimeFigureOut">
               <a:rPr kumimoji="1" lang="ja-JP" altLang="en-US" smtClean="0"/>
               <a:pPr/>
-              <a:t>2010/7/11</a:t>
+              <a:t>2010/9/1</a:t>
             </a:fld>
             <a:endParaRPr kumimoji="1" lang="ja-JP" altLang="en-US"/>
           </a:p>
@@ -3759,23 +3759,7 @@
             <a:pPr eaLnBrk="1" hangingPunct="1"/>
             <a:r>
               <a:rPr lang="ja-JP" altLang="en-US" sz="3200" dirty="0" smtClean="0"/>
-              <a:t>マシン</a:t>
-            </a:r>
-            <a:r>
-              <a:rPr lang="ja-JP" altLang="en-US" sz="3200" dirty="0" smtClean="0"/>
-              <a:t>クラス</a:t>
-            </a:r>
-            <a:r>
-              <a:rPr lang="ja-JP" altLang="en-US" sz="3200" dirty="0" smtClean="0"/>
-              <a:t>・</a:t>
-            </a:r>
-            <a:r>
-              <a:rPr lang="ja-JP" altLang="en-US" sz="3200" dirty="0" smtClean="0"/>
-              <a:t>オブジェクト</a:t>
-            </a:r>
-            <a:r>
-              <a:rPr lang="ja-JP" altLang="en-US" sz="3200" dirty="0" smtClean="0"/>
-              <a:t>に定義されている手続き</a:t>
+              <a:t>マシンクラス・オブジェクトに定義されている手続き</a:t>
             </a:r>
             <a:endParaRPr lang="ja-JP" altLang="en-US" sz="3200" dirty="0" smtClean="0">
               <a:effectLst/>
@@ -3807,11 +3791,7 @@
           <a:p>
             <a:r>
               <a:rPr lang="en-US" altLang="ja-JP" sz="1600" dirty="0" smtClean="0"/>
-              <a:t>new</a:t>
-            </a:r>
-            <a:r>
-              <a:rPr lang="en-US" altLang="ja-JP" sz="1600" dirty="0" smtClean="0"/>
-              <a:t>(String or </a:t>
+              <a:t>new(String or </a:t>
             </a:r>
             <a:r>
               <a:rPr lang="en-US" altLang="ja-JP" sz="1600" dirty="0" err="1" smtClean="0"/>
@@ -3829,7 +3809,6 @@
               <a:rPr lang="en-US" altLang="ja-JP" sz="1600" dirty="0" smtClean="0"/>
               <a:t>)</a:t>
             </a:r>
-            <a:endParaRPr lang="en-US" altLang="ja-JP" sz="1600" dirty="0" smtClean="0"/>
           </a:p>
           <a:p>
             <a:pPr lvl="1"/>
@@ -3843,15 +3822,7 @@
             </a:r>
             <a:r>
               <a:rPr lang="ja-JP" altLang="en-US" sz="1200" dirty="0" smtClean="0"/>
-              <a:t>アドレスも</a:t>
-            </a:r>
-            <a:r>
-              <a:rPr lang="ja-JP" altLang="en-US" sz="1200" dirty="0" smtClean="0"/>
-              <a:t>あだ</a:t>
-            </a:r>
-            <a:r>
-              <a:rPr lang="ja-JP" altLang="en-US" sz="1200" dirty="0" smtClean="0"/>
-              <a:t>名表現</a:t>
+              <a:t>アドレスもあだ名表現</a:t>
             </a:r>
             <a:r>
               <a:rPr lang="en-US" altLang="ja-JP" sz="1200" dirty="0" smtClean="0"/>
@@ -3874,7 +3845,7 @@
             </a:r>
             <a:r>
               <a:rPr lang="en-US" altLang="ja-JP" sz="1600" dirty="0" smtClean="0"/>
-              <a:t>(String:</a:t>
+              <a:t>(String: </a:t>
             </a:r>
             <a:r>
               <a:rPr lang="ja-JP" altLang="en-US" sz="1600" dirty="0" smtClean="0"/>
@@ -3882,6 +3853,52 @@
             </a:r>
             <a:r>
               <a:rPr lang="en-US" altLang="ja-JP" sz="1600" dirty="0" smtClean="0"/>
+              <a:t>)</a:t>
+            </a:r>
+          </a:p>
+          <a:p>
+            <a:pPr lvl="1"/>
+            <a:r>
+              <a:rPr lang="en-US" altLang="ja-JP" sz="1200" dirty="0" smtClean="0"/>
+              <a:t>SSH</a:t>
+            </a:r>
+            <a:r>
+              <a:rPr lang="ja-JP" altLang="en-US" sz="1200" dirty="0" smtClean="0"/>
+              <a:t>でマシンアクセスするためのユーザ名を設定する</a:t>
+            </a:r>
+            <a:endParaRPr lang="en-US" altLang="ja-JP" sz="1200" dirty="0" smtClean="0"/>
+          </a:p>
+          <a:p>
+            <a:pPr lvl="1"/>
+            <a:r>
+              <a:rPr lang="ja-JP" altLang="en-US" sz="1200" smtClean="0"/>
+              <a:t>パスワード無しでアクセス可能な場合に利用　</a:t>
+            </a:r>
+            <a:endParaRPr lang="en-US" altLang="ja-JP" sz="1200" smtClean="0"/>
+          </a:p>
+          <a:p>
+            <a:pPr lvl="1"/>
+            <a:endParaRPr lang="en-US" altLang="ja-JP" sz="1200" dirty="0" smtClean="0"/>
+          </a:p>
+          <a:p>
+            <a:r>
+              <a:rPr lang="en-US" altLang="ja-JP" sz="1600" dirty="0" err="1" smtClean="0"/>
+              <a:t>set_auth_info</a:t>
+            </a:r>
+            <a:r>
+              <a:rPr lang="en-US" altLang="ja-JP" sz="1600" dirty="0" smtClean="0"/>
+              <a:t>(String</a:t>
+            </a:r>
+            <a:r>
+              <a:rPr lang="en-US" altLang="ja-JP" sz="1600" dirty="0" smtClean="0"/>
+              <a:t>: </a:t>
+            </a:r>
+            <a:r>
+              <a:rPr lang="ja-JP" altLang="en-US" sz="1600" dirty="0" smtClean="0"/>
+              <a:t>ユーザ名</a:t>
+            </a:r>
+            <a:r>
+              <a:rPr lang="en-US" altLang="ja-JP" sz="1600" dirty="0" smtClean="0"/>
               <a:t>, String: </a:t>
             </a:r>
             <a:r>
@@ -3892,7 +3909,6 @@
               <a:rPr lang="en-US" altLang="ja-JP" sz="1600" dirty="0" smtClean="0"/>
               <a:t>)</a:t>
             </a:r>
-            <a:endParaRPr lang="en-US" altLang="ja-JP" sz="1600" dirty="0" smtClean="0"/>
           </a:p>
           <a:p>
             <a:pPr lvl="1"/>
@@ -3913,19 +3929,15 @@
           <a:p>
             <a:r>
               <a:rPr lang="en-US" altLang="ja-JP" sz="1600" dirty="0" err="1" smtClean="0"/>
-              <a:t>s</a:t>
-            </a:r>
-            <a:r>
-              <a:rPr lang="en-US" altLang="ja-JP" sz="1600" dirty="0" err="1" smtClean="0"/>
-              <a:t>et_auth_info</a:t>
+              <a:t>set_auth_info_pki</a:t>
             </a:r>
             <a:r>
               <a:rPr lang="en-US" altLang="ja-JP" sz="1600" dirty="0" smtClean="0"/>
-              <a:t>(String</a:t>
-            </a:r>
-            <a:r>
-              <a:rPr lang="en-US" altLang="ja-JP" sz="1600" dirty="0" smtClean="0"/>
-              <a:t>:</a:t>
+              <a:t>(String:</a:t>
+            </a:r>
+            <a:r>
+              <a:rPr lang="en-US" altLang="ja-JP" sz="1400" dirty="0" smtClean="0"/>
+              <a:t> </a:t>
             </a:r>
             <a:r>
               <a:rPr lang="ja-JP" altLang="en-US" sz="1600" dirty="0" smtClean="0"/>
@@ -3951,7 +3963,6 @@
               <a:rPr lang="en-US" altLang="ja-JP" sz="1600" dirty="0" smtClean="0"/>
               <a:t>)</a:t>
             </a:r>
-            <a:endParaRPr lang="en-US" altLang="ja-JP" sz="1600" dirty="0" smtClean="0"/>
           </a:p>
           <a:p>
             <a:pPr lvl="1"/>
@@ -3961,11 +3972,7 @@
             </a:r>
             <a:r>
               <a:rPr lang="ja-JP" altLang="en-US" sz="1200" dirty="0" smtClean="0"/>
-              <a:t>でマシンアクセスするための</a:t>
-            </a:r>
-            <a:r>
-              <a:rPr lang="ja-JP" altLang="en-US" sz="1200" dirty="0" smtClean="0"/>
-              <a:t>ユーザ名，　秘密鍵のパスフレーズ， 秘密鍵のファイルパス</a:t>
+              <a:t>でマシンアクセスするためのユーザ名，　秘密鍵のパスフレーズ， 秘密鍵のファイルパス</a:t>
             </a:r>
             <a:r>
               <a:rPr lang="en-US" altLang="ja-JP" sz="1200" dirty="0" smtClean="0"/>
@@ -3989,11 +3996,7 @@
             </a:r>
             <a:r>
               <a:rPr lang="ja-JP" altLang="en-US" sz="1200" dirty="0" smtClean="0"/>
-              <a:t>を設定</a:t>
-            </a:r>
-            <a:r>
-              <a:rPr lang="ja-JP" altLang="en-US" sz="1200" dirty="0" smtClean="0"/>
-              <a:t>する</a:t>
+              <a:t>を設定する</a:t>
             </a:r>
             <a:endParaRPr lang="en-US" altLang="ja-JP" sz="1200" dirty="0" smtClean="0"/>
           </a:p>
@@ -4003,11 +4006,7 @@
           <a:p>
             <a:r>
               <a:rPr lang="en-US" altLang="ja-JP" sz="1600" dirty="0" err="1" smtClean="0"/>
-              <a:t>e</a:t>
-            </a:r>
-            <a:r>
-              <a:rPr lang="en-US" altLang="ja-JP" sz="1600" dirty="0" err="1" smtClean="0"/>
-              <a:t>stablish_session</a:t>
+              <a:t>establish_session</a:t>
             </a:r>
             <a:r>
               <a:rPr lang="en-US" altLang="ja-JP" sz="1600" dirty="0" smtClean="0"/>
@@ -4030,15 +4029,7 @@
             <a:pPr lvl="1"/>
             <a:r>
               <a:rPr lang="ja-JP" altLang="en-US" sz="1200" dirty="0" smtClean="0"/>
-              <a:t>事前</a:t>
-            </a:r>
-            <a:r>
-              <a:rPr lang="ja-JP" altLang="en-US" sz="1200" dirty="0" smtClean="0"/>
-              <a:t>に</a:t>
-            </a:r>
-            <a:r>
-              <a:rPr lang="ja-JP" altLang="en-US" sz="1200" dirty="0" smtClean="0"/>
-              <a:t>、</a:t>
+              <a:t>事前に、</a:t>
             </a:r>
             <a:r>
               <a:rPr lang="en-US" altLang="ja-JP" sz="1200" dirty="0" err="1" smtClean="0"/>
@@ -4185,11 +4176,7 @@
             <a:pPr lvl="1"/>
             <a:r>
               <a:rPr lang="ja-JP" altLang="en-US" sz="1200" dirty="0" smtClean="0"/>
-              <a:t>ビックリマーク無しで呼び出すとブロックせずに非同期で実行が</a:t>
-            </a:r>
-            <a:r>
-              <a:rPr lang="ja-JP" altLang="en-US" sz="1200" dirty="0" smtClean="0"/>
-              <a:t>行われる</a:t>
+              <a:t>ビックリマーク無しで呼び出すとブロックせずに非同期で実行が行われる</a:t>
             </a:r>
             <a:endParaRPr lang="en-US" altLang="ja-JP" sz="1200" dirty="0" smtClean="0"/>
           </a:p>
@@ -4219,7 +4206,6 @@
               <a:rPr lang="en-US" altLang="ja-JP" sz="1200" dirty="0" smtClean="0"/>
               <a:t>)</a:t>
             </a:r>
-            <a:endParaRPr lang="en-US" altLang="ja-JP" sz="1200" dirty="0" smtClean="0"/>
           </a:p>
           <a:p>
             <a:pPr lvl="1"/>
@@ -4240,11 +4226,7 @@
             </a:r>
             <a:r>
               <a:rPr lang="en-US" altLang="ja-JP" sz="1600" dirty="0" smtClean="0"/>
-              <a:t>, String</a:t>
-            </a:r>
-            <a:r>
-              <a:rPr lang="en-US" altLang="ja-JP" sz="1600" dirty="0" smtClean="0"/>
-              <a:t>: </a:t>
+              <a:t>, String: </a:t>
             </a:r>
             <a:r>
               <a:rPr lang="ja-JP" altLang="en-US" sz="1600" dirty="0" smtClean="0"/>
@@ -4252,11 +4234,7 @@
             </a:r>
             <a:r>
               <a:rPr lang="en-US" altLang="ja-JP" sz="1600" dirty="0" smtClean="0"/>
-              <a:t>, String</a:t>
-            </a:r>
-            <a:r>
-              <a:rPr lang="en-US" altLang="ja-JP" sz="1600" dirty="0" smtClean="0"/>
-              <a:t>:</a:t>
+              <a:t>, String:</a:t>
             </a:r>
             <a:r>
               <a:rPr lang="ja-JP" altLang="en-US" sz="1600" dirty="0" smtClean="0"/>
@@ -4279,11 +4257,7 @@
             </a:r>
             <a:r>
               <a:rPr lang="ja-JP" altLang="en-US" sz="1200" dirty="0" smtClean="0"/>
-              <a:t>を指定</a:t>
-            </a:r>
-            <a:r>
-              <a:rPr lang="ja-JP" altLang="en-US" sz="1200" dirty="0" smtClean="0"/>
-              <a:t>。</a:t>
+              <a:t>を指定。</a:t>
             </a:r>
             <a:endParaRPr lang="en-US" altLang="ja-JP" sz="1200" dirty="0" smtClean="0"/>
           </a:p>
@@ -4373,19 +4347,7 @@
             </a:r>
             <a:r>
               <a:rPr lang="ja-JP" altLang="en-US" sz="1200" dirty="0" smtClean="0"/>
-              <a:t>指定で</a:t>
-            </a:r>
-            <a:r>
-              <a:rPr lang="ja-JP" altLang="en-US" sz="1200" dirty="0" smtClean="0"/>
-              <a:t>切り替えられるように</a:t>
-            </a:r>
-            <a:r>
-              <a:rPr lang="ja-JP" altLang="en-US" sz="1200" dirty="0" smtClean="0"/>
-              <a:t>なる</a:t>
-            </a:r>
-            <a:r>
-              <a:rPr lang="ja-JP" altLang="en-US" sz="1200" dirty="0" smtClean="0"/>
-              <a:t>予定</a:t>
+              <a:t>指定で切り替えられるようになる予定</a:t>
             </a:r>
             <a:endParaRPr lang="en-US" altLang="ja-JP" sz="1200" dirty="0" smtClean="0"/>
           </a:p>
@@ -4513,11 +4475,7 @@
             </a:r>
             <a:r>
               <a:rPr lang="en-US" altLang="ja-JP" sz="1600" dirty="0" smtClean="0"/>
-              <a:t>, String</a:t>
-            </a:r>
-            <a:r>
-              <a:rPr lang="en-US" altLang="ja-JP" sz="1600" dirty="0" smtClean="0"/>
-              <a:t>: </a:t>
+              <a:t>, String: </a:t>
             </a:r>
             <a:r>
               <a:rPr lang="ja-JP" altLang="en-US" sz="1600" dirty="0" smtClean="0"/>
@@ -4555,11 +4513,7 @@
             </a:r>
             <a:r>
               <a:rPr kumimoji="1" lang="en-US" altLang="ja-JP" sz="1600" dirty="0" smtClean="0"/>
-              <a:t>, String</a:t>
-            </a:r>
-            <a:r>
-              <a:rPr kumimoji="1" lang="en-US" altLang="ja-JP" sz="1600" dirty="0" smtClean="0"/>
-              <a:t>: </a:t>
+              <a:t>, String: </a:t>
             </a:r>
             <a:r>
               <a:rPr kumimoji="1" lang="ja-JP" altLang="en-US" sz="1600" dirty="0" smtClean="0"/>
@@ -4607,11 +4561,7 @@
             </a:r>
             <a:r>
               <a:rPr lang="en-US" altLang="ja-JP" sz="1600" dirty="0" smtClean="0"/>
-              <a:t>, String</a:t>
-            </a:r>
-            <a:r>
-              <a:rPr lang="en-US" altLang="ja-JP" sz="1600" dirty="0" smtClean="0"/>
-              <a:t>: </a:t>
+              <a:t>, String: </a:t>
             </a:r>
             <a:r>
               <a:rPr lang="ja-JP" altLang="en-US" sz="1600" dirty="0" smtClean="0"/>
@@ -4626,19 +4576,11 @@
             <a:pPr lvl="1"/>
             <a:r>
               <a:rPr lang="ja-JP" altLang="en-US" sz="1200" dirty="0" smtClean="0"/>
-              <a:t>指定したリモートディレクトリ内</a:t>
-            </a:r>
-            <a:r>
-              <a:rPr lang="ja-JP" altLang="en-US" sz="1200" dirty="0" smtClean="0"/>
-              <a:t>に， </a:t>
+              <a:t>指定したリモートディレクトリ内に， </a:t>
             </a:r>
             <a:r>
               <a:rPr kumimoji="1" lang="ja-JP" altLang="en-US" sz="1200" dirty="0" smtClean="0"/>
-              <a:t>指定</a:t>
-            </a:r>
-            <a:r>
-              <a:rPr kumimoji="1" lang="ja-JP" altLang="en-US" sz="1200" dirty="0" smtClean="0"/>
-              <a:t>したローカルディレクトリ内の全てのファイルを配置する。</a:t>
+              <a:t>指定したローカルディレクトリ内の全てのファイルを配置する。</a:t>
             </a:r>
             <a:r>
               <a:rPr kumimoji="1" lang="en-US" altLang="ja-JP" sz="1200" dirty="0" smtClean="0"/>
@@ -4672,11 +4614,7 @@
             </a:r>
             <a:r>
               <a:rPr lang="en-US" altLang="ja-JP" sz="1600" dirty="0" smtClean="0"/>
-              <a:t>, String</a:t>
-            </a:r>
-            <a:r>
-              <a:rPr lang="en-US" altLang="ja-JP" sz="1600" dirty="0" smtClean="0"/>
-              <a:t>: </a:t>
+              <a:t>, String: </a:t>
             </a:r>
             <a:r>
               <a:rPr lang="ja-JP" altLang="en-US" sz="1600" dirty="0" smtClean="0"/>
@@ -4725,11 +4663,7 @@
             </a:r>
             <a:r>
               <a:rPr lang="en-US" altLang="ja-JP" sz="1600" dirty="0" smtClean="0"/>
-              <a:t>, String</a:t>
-            </a:r>
-            <a:r>
-              <a:rPr lang="en-US" altLang="ja-JP" sz="1600" dirty="0" smtClean="0"/>
-              <a:t>: </a:t>
+              <a:t>, String: </a:t>
             </a:r>
             <a:r>
               <a:rPr lang="ja-JP" altLang="en-US" sz="1600" dirty="0" smtClean="0"/>
@@ -4763,11 +4697,7 @@
             </a:r>
             <a:r>
               <a:rPr lang="en-US" altLang="ja-JP" sz="1600" dirty="0" smtClean="0"/>
-              <a:t>, String</a:t>
-            </a:r>
-            <a:r>
-              <a:rPr lang="en-US" altLang="ja-JP" sz="1600" dirty="0" smtClean="0"/>
-              <a:t>: </a:t>
+              <a:t>, String: </a:t>
             </a:r>
             <a:r>
               <a:rPr lang="ja-JP" altLang="en-US" sz="1600" dirty="0" smtClean="0"/>
@@ -4905,11 +4835,7 @@
             <a:pPr lvl="1"/>
             <a:r>
               <a:rPr kumimoji="1" lang="ja-JP" altLang="en-US" sz="1200" dirty="0" smtClean="0"/>
-              <a:t>指定したリモート設定</a:t>
-            </a:r>
-            <a:r>
-              <a:rPr kumimoji="1" lang="ja-JP" altLang="en-US" sz="1200" dirty="0" smtClean="0"/>
-              <a:t>ファイル</a:t>
+              <a:t>指定したリモート設定ファイル</a:t>
             </a:r>
             <a:r>
               <a:rPr lang="ja-JP" altLang="en-US" sz="1200" dirty="0" smtClean="0"/>
@@ -5106,15 +5032,7 @@
             <a:pPr lvl="2"/>
             <a:r>
               <a:rPr lang="ja-JP" altLang="en-US" sz="1200" dirty="0" smtClean="0"/>
-              <a:t>呼び出しは全ての修正を行った後</a:t>
-            </a:r>
-            <a:r>
-              <a:rPr lang="ja-JP" altLang="en-US" sz="1200" dirty="0" smtClean="0"/>
-              <a:t>で， 一回</a:t>
-            </a:r>
-            <a:r>
-              <a:rPr lang="ja-JP" altLang="en-US" sz="1200" dirty="0" smtClean="0"/>
-              <a:t>だけ行えばよい。</a:t>
+              <a:t>呼び出しは全ての修正を行った後で， 一回だけ行えばよい。</a:t>
             </a:r>
             <a:endParaRPr lang="en-US" altLang="ja-JP" sz="1200" dirty="0" smtClean="0"/>
           </a:p>
